--- a/wigs/WIGS-W09.pptx
+++ b/wigs/WIGS-W09.pptx
@@ -217,6 +217,7 @@
 <file path=ppt/revisionInfo.xml><?xml version="1.0" encoding="utf-8"?>
 <p1510:revInfo xmlns:a="http://schemas.openxmlformats.org/drawingml/2006/main" xmlns:r="http://schemas.openxmlformats.org/officeDocument/2006/relationships" xmlns:p1510="http://schemas.microsoft.com/office/powerpoint/2015/10/main">
   <p1510:revLst>
+    <p1510:client id="{00A89A2F-3D0D-83B0-BD09-68A2E59A9057}" v="19" dt="2020-07-15T20:33:31.796"/>
     <p1510:client id="{1494AC9C-9E8D-1F7D-26FD-192B7C0A8B86}" v="21" dt="2020-06-23T21:39:43.869"/>
     <p1510:client id="{160CFAD2-B44D-E69B-5C3E-42B577EBE181}" v="221" dt="2020-06-23T01:33:19.225"/>
     <p1510:client id="{17076CB0-2BC2-70BA-2F62-6529561F3CB6}" v="1344" dt="2020-06-23T21:56:33.040"/>
@@ -440,6 +441,30 @@
           <ac:graphicFrameMkLst>
             <pc:docMk/>
             <pc:sldMk cId="2135083592" sldId="346"/>
+            <ac:graphicFrameMk id="4" creationId="{00000000-0000-0000-0000-000000000000}"/>
+          </ac:graphicFrameMkLst>
+        </pc:graphicFrameChg>
+      </pc:sldChg>
+    </pc:docChg>
+  </pc:docChgLst>
+  <pc:docChgLst>
+    <pc:chgData name="Boe, Jonah" userId="S::jonahwb@byui.edu::0d5e1f00-1ebc-42bd-9eb7-862baab2db1c" providerId="AD" clId="Web-{00A89A2F-3D0D-83B0-BD09-68A2E59A9057}"/>
+    <pc:docChg chg="modSld">
+      <pc:chgData name="Boe, Jonah" userId="S::jonahwb@byui.edu::0d5e1f00-1ebc-42bd-9eb7-862baab2db1c" providerId="AD" clId="Web-{00A89A2F-3D0D-83B0-BD09-68A2E59A9057}" dt="2020-07-15T20:31:21.475" v="13"/>
+      <pc:docMkLst>
+        <pc:docMk/>
+      </pc:docMkLst>
+      <pc:sldChg chg="modSp">
+        <pc:chgData name="Boe, Jonah" userId="S::jonahwb@byui.edu::0d5e1f00-1ebc-42bd-9eb7-862baab2db1c" providerId="AD" clId="Web-{00A89A2F-3D0D-83B0-BD09-68A2E59A9057}" dt="2020-07-15T20:31:21.475" v="13"/>
+        <pc:sldMkLst>
+          <pc:docMk/>
+          <pc:sldMk cId="1974768522" sldId="341"/>
+        </pc:sldMkLst>
+        <pc:graphicFrameChg chg="mod modGraphic">
+          <ac:chgData name="Boe, Jonah" userId="S::jonahwb@byui.edu::0d5e1f00-1ebc-42bd-9eb7-862baab2db1c" providerId="AD" clId="Web-{00A89A2F-3D0D-83B0-BD09-68A2E59A9057}" dt="2020-07-15T20:31:21.475" v="13"/>
+          <ac:graphicFrameMkLst>
+            <pc:docMk/>
+            <pc:sldMk cId="1974768522" sldId="341"/>
             <ac:graphicFrameMk id="4" creationId="{00000000-0000-0000-0000-000000000000}"/>
           </ac:graphicFrameMkLst>
         </pc:graphicFrameChg>
@@ -1247,10 +1272,10 @@
           </a:ln>
           <a:extLst>
             <a:ext uri="{FAA26D3D-D897-4be2-8F04-BA451C77F1D7}">
-              <ma14:placeholderFlag xmlns:ma14="http://schemas.microsoft.com/office/mac/drawingml/2011/main" xmlns="" val="1"/>
+              <ma14:placeholderFlag xmlns="" xmlns:ma14="http://schemas.microsoft.com/office/mac/drawingml/2011/main" val="1"/>
             </a:ext>
             <a:ext uri="{909E8E84-426E-40dd-AFC4-6F175D3DCCD1}">
-              <a14:hiddenFill xmlns:a14="http://schemas.microsoft.com/office/drawing/2010/main" xmlns="">
+              <a14:hiddenFill xmlns="" xmlns:a14="http://schemas.microsoft.com/office/drawing/2010/main">
                 <a:solidFill>
                   <a:srgbClr val="FFFFFF"/>
                 </a:solidFill>
@@ -2114,14 +2139,14 @@
           </a:ln>
           <a:extLst>
             <a:ext uri="{909E8E84-426E-40dd-AFC4-6F175D3DCCD1}">
-              <a14:hiddenFill xmlns:a14="http://schemas.microsoft.com/office/drawing/2010/main" xmlns="">
+              <a14:hiddenFill xmlns="" xmlns:a14="http://schemas.microsoft.com/office/drawing/2010/main">
                 <a:solidFill>
                   <a:srgbClr val="FFFFFF"/>
                 </a:solidFill>
               </a14:hiddenFill>
             </a:ext>
             <a:ext uri="{91240B29-F687-4f45-9708-019B960494DF}">
-              <a14:hiddenLine xmlns:a14="http://schemas.microsoft.com/office/drawing/2010/main" xmlns="" w="9525">
+              <a14:hiddenLine xmlns="" xmlns:a14="http://schemas.microsoft.com/office/drawing/2010/main" w="9525">
                 <a:solidFill>
                   <a:srgbClr val="000000"/>
                 </a:solidFill>
@@ -18611,7 +18636,7 @@
           <p:nvPr>
             <p:extLst>
               <p:ext uri="{D42A27DB-BD31-4B8C-83A1-F6EECF244321}">
-                <p14:modId xmlns:p14="http://schemas.microsoft.com/office/powerpoint/2010/main" val="708629854"/>
+                <p14:modId xmlns:p14="http://schemas.microsoft.com/office/powerpoint/2010/main" val="3555414827"/>
               </p:ext>
             </p:extLst>
           </p:nvPr>
@@ -18650,7 +18675,7 @@
                     <a:p>
                       <a:pPr algn="ctr" fontAlgn="b"/>
                       <a:r>
-                        <a:rPr lang="en-US" sz="1100" u="none" strike="noStrike">
+                        <a:rPr lang="en-US" sz="1100" u="none" strike="noStrike" dirty="0">
                           <a:solidFill>
                             <a:schemeClr val="bg1"/>
                           </a:solidFill>
@@ -18659,7 +18684,7 @@
                         <a:t>Hours on task during the week (On track ≥ 13 / </a:t>
                       </a:r>
                       <a:r>
-                        <a:rPr lang="en-US" sz="1100" u="none" strike="noStrike" err="1">
+                        <a:rPr lang="en-US" sz="1100" u="none" strike="noStrike" dirty="0" err="1">
                           <a:solidFill>
                             <a:schemeClr val="bg1"/>
                           </a:solidFill>
@@ -18668,7 +18693,7 @@
                         <a:t>wk</a:t>
                       </a:r>
                       <a:r>
-                        <a:rPr lang="en-US" sz="1100" u="none" strike="noStrike">
+                        <a:rPr lang="en-US" sz="1100" u="none" strike="noStrike" dirty="0">
                           <a:solidFill>
                             <a:schemeClr val="bg1"/>
                           </a:solidFill>
@@ -18676,7 +18701,7 @@
                         </a:rPr>
                         <a:t>)</a:t>
                       </a:r>
-                      <a:endParaRPr lang="en-US" sz="1100" b="0" i="0" u="none" strike="noStrike">
+                      <a:endParaRPr lang="en-US" sz="1100" b="0" i="0" u="none" strike="noStrike" dirty="0">
                         <a:solidFill>
                           <a:schemeClr val="bg1"/>
                         </a:solidFill>
@@ -18739,22 +18764,15 @@
                     <a:p>
                       <a:pPr algn="ctr" fontAlgn="b"/>
                       <a:r>
-                        <a:rPr lang="en-US" sz="1100" b="0" i="0" u="none" strike="noStrike">
+                        <a:rPr lang="en-US" sz="1100" b="0" i="0" u="none" strike="noStrike" dirty="0">
                           <a:solidFill>
                             <a:schemeClr val="bg1"/>
                           </a:solidFill>
                           <a:effectLst/>
                           <a:latin typeface="Calibri"/>
                         </a:rPr>
-                        <a:t>14</a:t>
+                        <a:t>13.4</a:t>
                       </a:r>
-                      <a:endParaRPr lang="en-US" sz="1100" b="0" i="0" u="none" strike="noStrike">
-                        <a:solidFill>
-                          <a:schemeClr val="bg1"/>
-                        </a:solidFill>
-                        <a:effectLst/>
-                        <a:latin typeface="Calibri" panose="020F0502020204030204" pitchFamily="34" charset="0"/>
-                      </a:endParaRPr>
                     </a:p>
                   </a:txBody>
                   <a:tcPr marL="9525" marR="9525" marT="9525" marB="0" anchor="ctr">
@@ -18818,7 +18836,7 @@
                     <a:p>
                       <a:pPr algn="ctr" fontAlgn="b"/>
                       <a:r>
-                        <a:rPr lang="en-US" sz="1100" u="none" strike="noStrike">
+                        <a:rPr lang="en-US" sz="1100" u="none" strike="noStrike" dirty="0">
                           <a:solidFill>
                             <a:schemeClr val="bg1"/>
                           </a:solidFill>
@@ -18827,7 +18845,7 @@
                         <a:t> Total hours on task so far this semester (On track ≥ 112 </a:t>
                       </a:r>
                       <a:r>
-                        <a:rPr lang="en-US" sz="1100" u="none" strike="noStrike" err="1">
+                        <a:rPr lang="en-US" sz="1100" u="none" strike="noStrike" dirty="0" err="1">
                           <a:solidFill>
                             <a:schemeClr val="bg1"/>
                           </a:solidFill>
@@ -18836,7 +18854,7 @@
                         <a:t>hrs</a:t>
                       </a:r>
                       <a:r>
-                        <a:rPr lang="en-US" sz="1100" u="none" strike="noStrike">
+                        <a:rPr lang="en-US" sz="1100" u="none" strike="noStrike" dirty="0">
                           <a:solidFill>
                             <a:schemeClr val="bg1"/>
                           </a:solidFill>
@@ -18844,7 +18862,7 @@
                         </a:rPr>
                         <a:t>)</a:t>
                       </a:r>
-                      <a:endParaRPr lang="en-US" sz="1100" b="0" i="0" u="none" strike="noStrike">
+                      <a:endParaRPr lang="en-US" sz="1100" b="0" i="0" u="none" strike="noStrike" dirty="0">
                         <a:solidFill>
                           <a:schemeClr val="bg1"/>
                         </a:solidFill>
@@ -18907,16 +18925,16 @@
                     <a:p>
                       <a:pPr algn="ctr" fontAlgn="b"/>
                       <a:r>
-                        <a:rPr lang="en-US" sz="1100" b="0" i="0" u="none" strike="noStrike">
+                        <a:rPr lang="en-US" sz="1100" b="0" i="0" u="none" strike="noStrike" dirty="0">
                           <a:solidFill>
                             <a:schemeClr val="bg1"/>
                           </a:solidFill>
                           <a:effectLst/>
                           <a:latin typeface="Calibri"/>
                         </a:rPr>
-                        <a:t>109.69</a:t>
+                        <a:t>109.7</a:t>
                       </a:r>
-                      <a:endParaRPr lang="en-US" sz="1100" b="0" i="0" u="none" strike="noStrike">
+                      <a:endParaRPr lang="en-US" sz="1100" b="0" i="0" u="none" strike="noStrike" dirty="0">
                         <a:solidFill>
                           <a:schemeClr val="bg1"/>
                         </a:solidFill>
